--- a/Presentations/Presentation_Ass2.pptx
+++ b/Presentations/Presentation_Ass2.pptx
@@ -863,7 +863,7 @@
           <a:p>
             <a:fld id="{DD52D263-9850-4BD1-9173-40FDCBC9E052}" type="datetimeFigureOut">
               <a:rPr lang="it-IT" smtClean="0"/>
-              <a:t>31/03/2022</a:t>
+              <a:t>20/04/2022</a:t>
             </a:fld>
             <a:endParaRPr lang="it-IT"/>
           </a:p>
@@ -1114,7 +1114,7 @@
           <a:p>
             <a:fld id="{DD52D263-9850-4BD1-9173-40FDCBC9E052}" type="datetimeFigureOut">
               <a:rPr lang="it-IT" smtClean="0"/>
-              <a:t>31/03/2022</a:t>
+              <a:t>20/04/2022</a:t>
             </a:fld>
             <a:endParaRPr lang="it-IT"/>
           </a:p>
@@ -1428,7 +1428,7 @@
           <a:p>
             <a:fld id="{DD52D263-9850-4BD1-9173-40FDCBC9E052}" type="datetimeFigureOut">
               <a:rPr lang="it-IT" smtClean="0"/>
-              <a:t>31/03/2022</a:t>
+              <a:t>20/04/2022</a:t>
             </a:fld>
             <a:endParaRPr lang="it-IT"/>
           </a:p>
@@ -1761,7 +1761,7 @@
           <a:p>
             <a:fld id="{DD52D263-9850-4BD1-9173-40FDCBC9E052}" type="datetimeFigureOut">
               <a:rPr lang="it-IT" smtClean="0"/>
-              <a:t>31/03/2022</a:t>
+              <a:t>20/04/2022</a:t>
             </a:fld>
             <a:endParaRPr lang="it-IT"/>
           </a:p>
@@ -2075,7 +2075,7 @@
           <a:p>
             <a:fld id="{DD52D263-9850-4BD1-9173-40FDCBC9E052}" type="datetimeFigureOut">
               <a:rPr lang="it-IT" smtClean="0"/>
-              <a:t>31/03/2022</a:t>
+              <a:t>20/04/2022</a:t>
             </a:fld>
             <a:endParaRPr lang="it-IT"/>
           </a:p>
@@ -2468,7 +2468,7 @@
           <a:p>
             <a:fld id="{DD52D263-9850-4BD1-9173-40FDCBC9E052}" type="datetimeFigureOut">
               <a:rPr lang="it-IT" smtClean="0"/>
-              <a:t>31/03/2022</a:t>
+              <a:t>20/04/2022</a:t>
             </a:fld>
             <a:endParaRPr lang="it-IT"/>
           </a:p>
@@ -2638,7 +2638,7 @@
           <a:p>
             <a:fld id="{DD52D263-9850-4BD1-9173-40FDCBC9E052}" type="datetimeFigureOut">
               <a:rPr lang="it-IT" smtClean="0"/>
-              <a:t>31/03/2022</a:t>
+              <a:t>20/04/2022</a:t>
             </a:fld>
             <a:endParaRPr lang="it-IT"/>
           </a:p>
@@ -2818,7 +2818,7 @@
           <a:p>
             <a:fld id="{DD52D263-9850-4BD1-9173-40FDCBC9E052}" type="datetimeFigureOut">
               <a:rPr lang="it-IT" smtClean="0"/>
-              <a:t>31/03/2022</a:t>
+              <a:t>20/04/2022</a:t>
             </a:fld>
             <a:endParaRPr lang="it-IT"/>
           </a:p>
@@ -2988,7 +2988,7 @@
           <a:p>
             <a:fld id="{DD52D263-9850-4BD1-9173-40FDCBC9E052}" type="datetimeFigureOut">
               <a:rPr lang="it-IT" smtClean="0"/>
-              <a:t>31/03/2022</a:t>
+              <a:t>20/04/2022</a:t>
             </a:fld>
             <a:endParaRPr lang="it-IT"/>
           </a:p>
@@ -3235,7 +3235,7 @@
           <a:p>
             <a:fld id="{DD52D263-9850-4BD1-9173-40FDCBC9E052}" type="datetimeFigureOut">
               <a:rPr lang="it-IT" smtClean="0"/>
-              <a:t>31/03/2022</a:t>
+              <a:t>20/04/2022</a:t>
             </a:fld>
             <a:endParaRPr lang="it-IT"/>
           </a:p>
@@ -3467,7 +3467,7 @@
           <a:p>
             <a:fld id="{DD52D263-9850-4BD1-9173-40FDCBC9E052}" type="datetimeFigureOut">
               <a:rPr lang="it-IT" smtClean="0"/>
-              <a:t>31/03/2022</a:t>
+              <a:t>20/04/2022</a:t>
             </a:fld>
             <a:endParaRPr lang="it-IT"/>
           </a:p>
@@ -3841,7 +3841,7 @@
           <a:p>
             <a:fld id="{DD52D263-9850-4BD1-9173-40FDCBC9E052}" type="datetimeFigureOut">
               <a:rPr lang="it-IT" smtClean="0"/>
-              <a:t>31/03/2022</a:t>
+              <a:t>20/04/2022</a:t>
             </a:fld>
             <a:endParaRPr lang="it-IT"/>
           </a:p>
@@ -3964,7 +3964,7 @@
           <a:p>
             <a:fld id="{DD52D263-9850-4BD1-9173-40FDCBC9E052}" type="datetimeFigureOut">
               <a:rPr lang="it-IT" smtClean="0"/>
-              <a:t>31/03/2022</a:t>
+              <a:t>20/04/2022</a:t>
             </a:fld>
             <a:endParaRPr lang="it-IT"/>
           </a:p>
@@ -4059,7 +4059,7 @@
           <a:p>
             <a:fld id="{DD52D263-9850-4BD1-9173-40FDCBC9E052}" type="datetimeFigureOut">
               <a:rPr lang="it-IT" smtClean="0"/>
-              <a:t>31/03/2022</a:t>
+              <a:t>20/04/2022</a:t>
             </a:fld>
             <a:endParaRPr lang="it-IT"/>
           </a:p>
@@ -4314,7 +4314,7 @@
           <a:p>
             <a:fld id="{DD52D263-9850-4BD1-9173-40FDCBC9E052}" type="datetimeFigureOut">
               <a:rPr lang="it-IT" smtClean="0"/>
-              <a:t>31/03/2022</a:t>
+              <a:t>20/04/2022</a:t>
             </a:fld>
             <a:endParaRPr lang="it-IT"/>
           </a:p>
@@ -4619,7 +4619,7 @@
           <a:p>
             <a:fld id="{DD52D263-9850-4BD1-9173-40FDCBC9E052}" type="datetimeFigureOut">
               <a:rPr lang="it-IT" smtClean="0"/>
-              <a:t>31/03/2022</a:t>
+              <a:t>20/04/2022</a:t>
             </a:fld>
             <a:endParaRPr lang="it-IT"/>
           </a:p>
@@ -5321,7 +5321,7 @@
           <a:p>
             <a:fld id="{DD52D263-9850-4BD1-9173-40FDCBC9E052}" type="datetimeFigureOut">
               <a:rPr lang="it-IT" smtClean="0"/>
-              <a:t>31/03/2022</a:t>
+              <a:t>20/04/2022</a:t>
             </a:fld>
             <a:endParaRPr lang="it-IT"/>
           </a:p>
@@ -6846,12 +6846,20 @@
               <a:t>-&gt; </a:t>
             </a:r>
             <a:r>
+              <a:rPr lang="it-IT" b="1">
+                <a:solidFill>
+                  <a:schemeClr val="tx1"/>
+                </a:solidFill>
+              </a:rPr>
+              <a:t>Matrice di </a:t>
+            </a:r>
+            <a:r>
               <a:rPr lang="it-IT" b="1" dirty="0">
                 <a:solidFill>
                   <a:schemeClr val="tx1"/>
                 </a:solidFill>
               </a:rPr>
-              <a:t>Matrice della Transizione dello Stato</a:t>
+              <a:t>Transizione dello Stato</a:t>
             </a:r>
             <a:br>
               <a:rPr lang="it-IT" dirty="0">
@@ -6873,7 +6881,39 @@
                   <a:schemeClr val="tx1"/>
                 </a:solidFill>
               </a:rPr>
-              <a:t>Costruisco per ogni possibile azione la matrice che mi dice partendo da uno stato(sulle righe) e prendendo quell’azione in quale stato finisco(sulle colonne)</a:t>
+              <a:t>Costruisco per ogni possibile azione la matrice che mi dice partendo da </a:t>
+            </a:r>
+            <a:r>
+              <a:rPr lang="it-IT">
+                <a:solidFill>
+                  <a:schemeClr val="tx1"/>
+                </a:solidFill>
+              </a:rPr>
+              <a:t>uno stato (</a:t>
+            </a:r>
+            <a:r>
+              <a:rPr lang="it-IT" dirty="0">
+                <a:solidFill>
+                  <a:schemeClr val="tx1"/>
+                </a:solidFill>
+              </a:rPr>
+              <a:t>sulle righe) e prendendo quell’azione in quale </a:t>
+            </a:r>
+            <a:r>
+              <a:rPr lang="it-IT">
+                <a:solidFill>
+                  <a:schemeClr val="tx1"/>
+                </a:solidFill>
+              </a:rPr>
+              <a:t>stato finisco (</a:t>
+            </a:r>
+            <a:r>
+              <a:rPr lang="it-IT" dirty="0">
+                <a:solidFill>
+                  <a:schemeClr val="tx1"/>
+                </a:solidFill>
+              </a:rPr>
+              <a:t>sulle colonne)</a:t>
             </a:r>
             <a:br>
               <a:rPr lang="it-IT" dirty="0">

--- a/Presentations/Presentation_Ass2.pptx
+++ b/Presentations/Presentation_Ass2.pptx
@@ -6846,20 +6846,12 @@
               <a:t>-&gt; </a:t>
             </a:r>
             <a:r>
-              <a:rPr lang="it-IT" b="1">
+              <a:rPr lang="it-IT" b="1" dirty="0">
                 <a:solidFill>
                   <a:schemeClr val="tx1"/>
                 </a:solidFill>
               </a:rPr>
-              <a:t>Matrice di </a:t>
-            </a:r>
-            <a:r>
-              <a:rPr lang="it-IT" b="1" dirty="0">
-                <a:solidFill>
-                  <a:schemeClr val="tx1"/>
-                </a:solidFill>
-              </a:rPr>
-              <a:t>Transizione dello Stato</a:t>
+              <a:t>Matrice di Transizione dello Stato</a:t>
             </a:r>
             <a:br>
               <a:rPr lang="it-IT" dirty="0">
@@ -6881,39 +6873,7 @@
                   <a:schemeClr val="tx1"/>
                 </a:solidFill>
               </a:rPr>
-              <a:t>Costruisco per ogni possibile azione la matrice che mi dice partendo da </a:t>
-            </a:r>
-            <a:r>
-              <a:rPr lang="it-IT">
-                <a:solidFill>
-                  <a:schemeClr val="tx1"/>
-                </a:solidFill>
-              </a:rPr>
-              <a:t>uno stato (</a:t>
-            </a:r>
-            <a:r>
-              <a:rPr lang="it-IT" dirty="0">
-                <a:solidFill>
-                  <a:schemeClr val="tx1"/>
-                </a:solidFill>
-              </a:rPr>
-              <a:t>sulle righe) e prendendo quell’azione in quale </a:t>
-            </a:r>
-            <a:r>
-              <a:rPr lang="it-IT">
-                <a:solidFill>
-                  <a:schemeClr val="tx1"/>
-                </a:solidFill>
-              </a:rPr>
-              <a:t>stato finisco (</a:t>
-            </a:r>
-            <a:r>
-              <a:rPr lang="it-IT" dirty="0">
-                <a:solidFill>
-                  <a:schemeClr val="tx1"/>
-                </a:solidFill>
-              </a:rPr>
-              <a:t>sulle colonne)</a:t>
+              <a:t>Costruisco per ogni possibile azione la matrice che mi dice partendo da uno stato (sulle righe) e prendendo quell’azione in quale stato finisco (sulle colonne)</a:t>
             </a:r>
             <a:br>
               <a:rPr lang="it-IT" dirty="0">
@@ -7514,7 +7474,23 @@
                   <a:schemeClr val="tx1"/>
                 </a:solidFill>
               </a:rPr>
-              <a:t>Applicando entrambi gli algoritmi si ottiene una policy ottima che è sempre in grado di vincere da quanto osservato nelle simulazioni.</a:t>
+              <a:t>Applicando entrambi gli algoritmi si ottiene una policy ottima che vince quasi </a:t>
+            </a:r>
+            <a:r>
+              <a:rPr lang="it-IT">
+                <a:solidFill>
+                  <a:schemeClr val="tx1"/>
+                </a:solidFill>
+              </a:rPr>
+              <a:t>sempre utilizzando </a:t>
+            </a:r>
+            <a:r>
+              <a:rPr lang="it-IT" dirty="0">
+                <a:solidFill>
+                  <a:schemeClr val="tx1"/>
+                </a:solidFill>
+              </a:rPr>
+              <a:t>valori di gamma vicino a 1.</a:t>
             </a:r>
           </a:p>
         </p:txBody>

--- a/Presentations/Presentation_Ass2.pptx
+++ b/Presentations/Presentation_Ass2.pptx
@@ -863,7 +863,7 @@
           <a:p>
             <a:fld id="{DD52D263-9850-4BD1-9173-40FDCBC9E052}" type="datetimeFigureOut">
               <a:rPr lang="it-IT" smtClean="0"/>
-              <a:t>20/04/2022</a:t>
+              <a:t>22/04/2022</a:t>
             </a:fld>
             <a:endParaRPr lang="it-IT"/>
           </a:p>
@@ -1114,7 +1114,7 @@
           <a:p>
             <a:fld id="{DD52D263-9850-4BD1-9173-40FDCBC9E052}" type="datetimeFigureOut">
               <a:rPr lang="it-IT" smtClean="0"/>
-              <a:t>20/04/2022</a:t>
+              <a:t>22/04/2022</a:t>
             </a:fld>
             <a:endParaRPr lang="it-IT"/>
           </a:p>
@@ -1428,7 +1428,7 @@
           <a:p>
             <a:fld id="{DD52D263-9850-4BD1-9173-40FDCBC9E052}" type="datetimeFigureOut">
               <a:rPr lang="it-IT" smtClean="0"/>
-              <a:t>20/04/2022</a:t>
+              <a:t>22/04/2022</a:t>
             </a:fld>
             <a:endParaRPr lang="it-IT"/>
           </a:p>
@@ -1761,7 +1761,7 @@
           <a:p>
             <a:fld id="{DD52D263-9850-4BD1-9173-40FDCBC9E052}" type="datetimeFigureOut">
               <a:rPr lang="it-IT" smtClean="0"/>
-              <a:t>20/04/2022</a:t>
+              <a:t>22/04/2022</a:t>
             </a:fld>
             <a:endParaRPr lang="it-IT"/>
           </a:p>
@@ -2075,7 +2075,7 @@
           <a:p>
             <a:fld id="{DD52D263-9850-4BD1-9173-40FDCBC9E052}" type="datetimeFigureOut">
               <a:rPr lang="it-IT" smtClean="0"/>
-              <a:t>20/04/2022</a:t>
+              <a:t>22/04/2022</a:t>
             </a:fld>
             <a:endParaRPr lang="it-IT"/>
           </a:p>
@@ -2468,7 +2468,7 @@
           <a:p>
             <a:fld id="{DD52D263-9850-4BD1-9173-40FDCBC9E052}" type="datetimeFigureOut">
               <a:rPr lang="it-IT" smtClean="0"/>
-              <a:t>20/04/2022</a:t>
+              <a:t>22/04/2022</a:t>
             </a:fld>
             <a:endParaRPr lang="it-IT"/>
           </a:p>
@@ -2638,7 +2638,7 @@
           <a:p>
             <a:fld id="{DD52D263-9850-4BD1-9173-40FDCBC9E052}" type="datetimeFigureOut">
               <a:rPr lang="it-IT" smtClean="0"/>
-              <a:t>20/04/2022</a:t>
+              <a:t>22/04/2022</a:t>
             </a:fld>
             <a:endParaRPr lang="it-IT"/>
           </a:p>
@@ -2818,7 +2818,7 @@
           <a:p>
             <a:fld id="{DD52D263-9850-4BD1-9173-40FDCBC9E052}" type="datetimeFigureOut">
               <a:rPr lang="it-IT" smtClean="0"/>
-              <a:t>20/04/2022</a:t>
+              <a:t>22/04/2022</a:t>
             </a:fld>
             <a:endParaRPr lang="it-IT"/>
           </a:p>
@@ -2988,7 +2988,7 @@
           <a:p>
             <a:fld id="{DD52D263-9850-4BD1-9173-40FDCBC9E052}" type="datetimeFigureOut">
               <a:rPr lang="it-IT" smtClean="0"/>
-              <a:t>20/04/2022</a:t>
+              <a:t>22/04/2022</a:t>
             </a:fld>
             <a:endParaRPr lang="it-IT"/>
           </a:p>
@@ -3235,7 +3235,7 @@
           <a:p>
             <a:fld id="{DD52D263-9850-4BD1-9173-40FDCBC9E052}" type="datetimeFigureOut">
               <a:rPr lang="it-IT" smtClean="0"/>
-              <a:t>20/04/2022</a:t>
+              <a:t>22/04/2022</a:t>
             </a:fld>
             <a:endParaRPr lang="it-IT"/>
           </a:p>
@@ -3467,7 +3467,7 @@
           <a:p>
             <a:fld id="{DD52D263-9850-4BD1-9173-40FDCBC9E052}" type="datetimeFigureOut">
               <a:rPr lang="it-IT" smtClean="0"/>
-              <a:t>20/04/2022</a:t>
+              <a:t>22/04/2022</a:t>
             </a:fld>
             <a:endParaRPr lang="it-IT"/>
           </a:p>
@@ -3841,7 +3841,7 @@
           <a:p>
             <a:fld id="{DD52D263-9850-4BD1-9173-40FDCBC9E052}" type="datetimeFigureOut">
               <a:rPr lang="it-IT" smtClean="0"/>
-              <a:t>20/04/2022</a:t>
+              <a:t>22/04/2022</a:t>
             </a:fld>
             <a:endParaRPr lang="it-IT"/>
           </a:p>
@@ -3964,7 +3964,7 @@
           <a:p>
             <a:fld id="{DD52D263-9850-4BD1-9173-40FDCBC9E052}" type="datetimeFigureOut">
               <a:rPr lang="it-IT" smtClean="0"/>
-              <a:t>20/04/2022</a:t>
+              <a:t>22/04/2022</a:t>
             </a:fld>
             <a:endParaRPr lang="it-IT"/>
           </a:p>
@@ -4059,7 +4059,7 @@
           <a:p>
             <a:fld id="{DD52D263-9850-4BD1-9173-40FDCBC9E052}" type="datetimeFigureOut">
               <a:rPr lang="it-IT" smtClean="0"/>
-              <a:t>20/04/2022</a:t>
+              <a:t>22/04/2022</a:t>
             </a:fld>
             <a:endParaRPr lang="it-IT"/>
           </a:p>
@@ -4314,7 +4314,7 @@
           <a:p>
             <a:fld id="{DD52D263-9850-4BD1-9173-40FDCBC9E052}" type="datetimeFigureOut">
               <a:rPr lang="it-IT" smtClean="0"/>
-              <a:t>20/04/2022</a:t>
+              <a:t>22/04/2022</a:t>
             </a:fld>
             <a:endParaRPr lang="it-IT"/>
           </a:p>
@@ -4619,7 +4619,7 @@
           <a:p>
             <a:fld id="{DD52D263-9850-4BD1-9173-40FDCBC9E052}" type="datetimeFigureOut">
               <a:rPr lang="it-IT" smtClean="0"/>
-              <a:t>20/04/2022</a:t>
+              <a:t>22/04/2022</a:t>
             </a:fld>
             <a:endParaRPr lang="it-IT"/>
           </a:p>
@@ -5321,7 +5321,7 @@
           <a:p>
             <a:fld id="{DD52D263-9850-4BD1-9173-40FDCBC9E052}" type="datetimeFigureOut">
               <a:rPr lang="it-IT" smtClean="0"/>
-              <a:t>20/04/2022</a:t>
+              <a:t>22/04/2022</a:t>
             </a:fld>
             <a:endParaRPr lang="it-IT"/>
           </a:p>
@@ -6387,23 +6387,15 @@
                   <a:schemeClr val="tx1"/>
                 </a:solidFill>
               </a:rPr>
-              <a:t> (VI), </a:t>
-            </a:r>
-            <a:r>
-              <a:rPr lang="it-IT" dirty="0">
+              <a:t> (</a:t>
+            </a:r>
+            <a:r>
+              <a:rPr lang="it-IT" b="1">
                 <a:solidFill>
                   <a:schemeClr val="tx1"/>
                 </a:solidFill>
               </a:rPr>
-              <a:t>algoritmi che richiedono la conoscenza </a:t>
-            </a:r>
-            <a:r>
-              <a:rPr lang="it-IT">
-                <a:solidFill>
-                  <a:schemeClr val="tx1"/>
-                </a:solidFill>
-              </a:rPr>
-              <a:t>del modello</a:t>
+              <a:t>VI)</a:t>
             </a:r>
             <a:endParaRPr lang="it-IT" b="1" dirty="0">
               <a:solidFill>
@@ -6941,7 +6933,7 @@
                   <a:schemeClr val="tx1"/>
                 </a:solidFill>
               </a:rPr>
-              <a:t>Costruisco la matrice delle Ricompense che mi dice per ogni stato qual è la ricompensa che ricevo.</a:t>
+              <a:t>Costruisco la matrice delle Ricompense che mi dice per ogni stato qual è la ricompensa che ricevo (in valore atteso).</a:t>
             </a:r>
             <a:br>
               <a:rPr lang="it-IT" dirty="0">
@@ -7077,8 +7069,8 @@
         </p:nvSpPr>
         <p:spPr>
           <a:xfrm>
-            <a:off x="5535243" y="2099144"/>
-            <a:ext cx="4184034" cy="3880773"/>
+            <a:off x="5535242" y="2099144"/>
+            <a:ext cx="4364131" cy="3880773"/>
           </a:xfrm>
         </p:spPr>
         <p:txBody>
@@ -7167,39 +7159,7 @@
                   <a:schemeClr val="tx1"/>
                 </a:solidFill>
               </a:rPr>
-              <a:t>La Policy Evaluation viene iterata </a:t>
-            </a:r>
-            <a:r>
-              <a:rPr lang="it-IT" dirty="0" err="1">
-                <a:solidFill>
-                  <a:schemeClr val="tx1"/>
-                </a:solidFill>
-              </a:rPr>
-              <a:t>finchè</a:t>
-            </a:r>
-            <a:r>
-              <a:rPr lang="it-IT" dirty="0">
-                <a:solidFill>
-                  <a:schemeClr val="tx1"/>
-                </a:solidFill>
-              </a:rPr>
-              <a:t> non ho convergenza sulla funzione valore, </a:t>
-            </a:r>
-            <a:r>
-              <a:rPr lang="it-IT" dirty="0" err="1">
-                <a:solidFill>
-                  <a:schemeClr val="tx1"/>
-                </a:solidFill>
-              </a:rPr>
-              <a:t>succesivamente</a:t>
-            </a:r>
-            <a:r>
-              <a:rPr lang="it-IT" dirty="0">
-                <a:solidFill>
-                  <a:schemeClr val="tx1"/>
-                </a:solidFill>
-              </a:rPr>
-              <a:t> viene effettuato la Policy </a:t>
+              <a:t>La Policy Evaluation viene iterata fino a convergenza, successivamente viene effettuato il passo di </a:t>
             </a:r>
             <a:r>
               <a:rPr lang="it-IT" dirty="0" err="1">
@@ -7363,7 +7323,7 @@
                   <a:schemeClr val="tx1"/>
                 </a:solidFill>
               </a:rPr>
-              <a:t> effettua una singola iterazione di Policy Evaluation(senza arrivare a convergenza)  poi un’iterazione la Policy </a:t>
+              <a:t> effettua una singola iterazione di Policy Evaluation poi un’iterazione di Policy </a:t>
             </a:r>
             <a:r>
               <a:rPr lang="it-IT" dirty="0" err="1">
@@ -7474,23 +7434,7 @@
                   <a:schemeClr val="tx1"/>
                 </a:solidFill>
               </a:rPr>
-              <a:t>Applicando entrambi gli algoritmi si ottiene una policy ottima che vince quasi </a:t>
-            </a:r>
-            <a:r>
-              <a:rPr lang="it-IT">
-                <a:solidFill>
-                  <a:schemeClr val="tx1"/>
-                </a:solidFill>
-              </a:rPr>
-              <a:t>sempre utilizzando </a:t>
-            </a:r>
-            <a:r>
-              <a:rPr lang="it-IT" dirty="0">
-                <a:solidFill>
-                  <a:schemeClr val="tx1"/>
-                </a:solidFill>
-              </a:rPr>
-              <a:t>valori di gamma vicino a 1.</a:t>
+              <a:t>Applicando entrambi gli algoritmi si ottiene una policy ottima che vince sempre.</a:t>
             </a:r>
           </a:p>
         </p:txBody>

--- a/Presentations/Presentation_Ass2.pptx
+++ b/Presentations/Presentation_Ass2.pptx
@@ -863,7 +863,7 @@
           <a:p>
             <a:fld id="{DD52D263-9850-4BD1-9173-40FDCBC9E052}" type="datetimeFigureOut">
               <a:rPr lang="it-IT" smtClean="0"/>
-              <a:t>22/04/2022</a:t>
+              <a:t>03/05/2022</a:t>
             </a:fld>
             <a:endParaRPr lang="it-IT"/>
           </a:p>
@@ -1114,7 +1114,7 @@
           <a:p>
             <a:fld id="{DD52D263-9850-4BD1-9173-40FDCBC9E052}" type="datetimeFigureOut">
               <a:rPr lang="it-IT" smtClean="0"/>
-              <a:t>22/04/2022</a:t>
+              <a:t>03/05/2022</a:t>
             </a:fld>
             <a:endParaRPr lang="it-IT"/>
           </a:p>
@@ -1428,7 +1428,7 @@
           <a:p>
             <a:fld id="{DD52D263-9850-4BD1-9173-40FDCBC9E052}" type="datetimeFigureOut">
               <a:rPr lang="it-IT" smtClean="0"/>
-              <a:t>22/04/2022</a:t>
+              <a:t>03/05/2022</a:t>
             </a:fld>
             <a:endParaRPr lang="it-IT"/>
           </a:p>
@@ -1761,7 +1761,7 @@
           <a:p>
             <a:fld id="{DD52D263-9850-4BD1-9173-40FDCBC9E052}" type="datetimeFigureOut">
               <a:rPr lang="it-IT" smtClean="0"/>
-              <a:t>22/04/2022</a:t>
+              <a:t>03/05/2022</a:t>
             </a:fld>
             <a:endParaRPr lang="it-IT"/>
           </a:p>
@@ -2075,7 +2075,7 @@
           <a:p>
             <a:fld id="{DD52D263-9850-4BD1-9173-40FDCBC9E052}" type="datetimeFigureOut">
               <a:rPr lang="it-IT" smtClean="0"/>
-              <a:t>22/04/2022</a:t>
+              <a:t>03/05/2022</a:t>
             </a:fld>
             <a:endParaRPr lang="it-IT"/>
           </a:p>
@@ -2468,7 +2468,7 @@
           <a:p>
             <a:fld id="{DD52D263-9850-4BD1-9173-40FDCBC9E052}" type="datetimeFigureOut">
               <a:rPr lang="it-IT" smtClean="0"/>
-              <a:t>22/04/2022</a:t>
+              <a:t>03/05/2022</a:t>
             </a:fld>
             <a:endParaRPr lang="it-IT"/>
           </a:p>
@@ -2638,7 +2638,7 @@
           <a:p>
             <a:fld id="{DD52D263-9850-4BD1-9173-40FDCBC9E052}" type="datetimeFigureOut">
               <a:rPr lang="it-IT" smtClean="0"/>
-              <a:t>22/04/2022</a:t>
+              <a:t>03/05/2022</a:t>
             </a:fld>
             <a:endParaRPr lang="it-IT"/>
           </a:p>
@@ -2818,7 +2818,7 @@
           <a:p>
             <a:fld id="{DD52D263-9850-4BD1-9173-40FDCBC9E052}" type="datetimeFigureOut">
               <a:rPr lang="it-IT" smtClean="0"/>
-              <a:t>22/04/2022</a:t>
+              <a:t>03/05/2022</a:t>
             </a:fld>
             <a:endParaRPr lang="it-IT"/>
           </a:p>
@@ -2988,7 +2988,7 @@
           <a:p>
             <a:fld id="{DD52D263-9850-4BD1-9173-40FDCBC9E052}" type="datetimeFigureOut">
               <a:rPr lang="it-IT" smtClean="0"/>
-              <a:t>22/04/2022</a:t>
+              <a:t>03/05/2022</a:t>
             </a:fld>
             <a:endParaRPr lang="it-IT"/>
           </a:p>
@@ -3235,7 +3235,7 @@
           <a:p>
             <a:fld id="{DD52D263-9850-4BD1-9173-40FDCBC9E052}" type="datetimeFigureOut">
               <a:rPr lang="it-IT" smtClean="0"/>
-              <a:t>22/04/2022</a:t>
+              <a:t>03/05/2022</a:t>
             </a:fld>
             <a:endParaRPr lang="it-IT"/>
           </a:p>
@@ -3467,7 +3467,7 @@
           <a:p>
             <a:fld id="{DD52D263-9850-4BD1-9173-40FDCBC9E052}" type="datetimeFigureOut">
               <a:rPr lang="it-IT" smtClean="0"/>
-              <a:t>22/04/2022</a:t>
+              <a:t>03/05/2022</a:t>
             </a:fld>
             <a:endParaRPr lang="it-IT"/>
           </a:p>
@@ -3841,7 +3841,7 @@
           <a:p>
             <a:fld id="{DD52D263-9850-4BD1-9173-40FDCBC9E052}" type="datetimeFigureOut">
               <a:rPr lang="it-IT" smtClean="0"/>
-              <a:t>22/04/2022</a:t>
+              <a:t>03/05/2022</a:t>
             </a:fld>
             <a:endParaRPr lang="it-IT"/>
           </a:p>
@@ -3964,7 +3964,7 @@
           <a:p>
             <a:fld id="{DD52D263-9850-4BD1-9173-40FDCBC9E052}" type="datetimeFigureOut">
               <a:rPr lang="it-IT" smtClean="0"/>
-              <a:t>22/04/2022</a:t>
+              <a:t>03/05/2022</a:t>
             </a:fld>
             <a:endParaRPr lang="it-IT"/>
           </a:p>
@@ -4059,7 +4059,7 @@
           <a:p>
             <a:fld id="{DD52D263-9850-4BD1-9173-40FDCBC9E052}" type="datetimeFigureOut">
               <a:rPr lang="it-IT" smtClean="0"/>
-              <a:t>22/04/2022</a:t>
+              <a:t>03/05/2022</a:t>
             </a:fld>
             <a:endParaRPr lang="it-IT"/>
           </a:p>
@@ -4314,7 +4314,7 @@
           <a:p>
             <a:fld id="{DD52D263-9850-4BD1-9173-40FDCBC9E052}" type="datetimeFigureOut">
               <a:rPr lang="it-IT" smtClean="0"/>
-              <a:t>22/04/2022</a:t>
+              <a:t>03/05/2022</a:t>
             </a:fld>
             <a:endParaRPr lang="it-IT"/>
           </a:p>
@@ -4619,7 +4619,7 @@
           <a:p>
             <a:fld id="{DD52D263-9850-4BD1-9173-40FDCBC9E052}" type="datetimeFigureOut">
               <a:rPr lang="it-IT" smtClean="0"/>
-              <a:t>22/04/2022</a:t>
+              <a:t>03/05/2022</a:t>
             </a:fld>
             <a:endParaRPr lang="it-IT"/>
           </a:p>
@@ -5321,7 +5321,7 @@
           <a:p>
             <a:fld id="{DD52D263-9850-4BD1-9173-40FDCBC9E052}" type="datetimeFigureOut">
               <a:rPr lang="it-IT" smtClean="0"/>
-              <a:t>22/04/2022</a:t>
+              <a:t>03/05/2022</a:t>
             </a:fld>
             <a:endParaRPr lang="it-IT"/>
           </a:p>
@@ -6933,7 +6933,15 @@
                   <a:schemeClr val="tx1"/>
                 </a:solidFill>
               </a:rPr>
-              <a:t>Costruisco la matrice delle Ricompense che mi dice per ogni stato qual è la ricompensa che ricevo (in valore atteso).</a:t>
+              <a:t>Costruisco la matrice delle Ricompense che mi dice per ogni stato qual è la ricompensa che ricevo (in valore atteso) </a:t>
+            </a:r>
+            <a:r>
+              <a:rPr lang="it-IT">
+                <a:solidFill>
+                  <a:schemeClr val="tx1"/>
+                </a:solidFill>
+              </a:rPr>
+              <a:t>prendendo quell’azione.</a:t>
             </a:r>
             <a:br>
               <a:rPr lang="it-IT" dirty="0">
